--- a/Curriculum/Week_4/Lectures/4.3_Flask_Part_2.pptx
+++ b/Curriculum/Week_4/Lectures/4.3_Flask_Part_2.pptx
@@ -1456,7 +1456,7 @@
         </p:nvSpPr>
         <p:spPr>
           <a:xfrm>
-            <a:off x="381300" y="685800"/>
+            <a:off x="381000" y="685800"/>
             <a:ext cx="6096000" cy="3429000"/>
           </a:xfrm>
           <a:custGeom>
@@ -6104,7 +6104,7 @@
               <a:buNone/>
             </a:pPr>
             <a:r>
-              <a:rPr lang="en" sz="1200" dirty="0">
+              <a:rPr lang="en" sz="1400" dirty="0">
                 <a:solidFill>
                   <a:srgbClr val="000000"/>
                 </a:solidFill>
@@ -6130,7 +6130,7 @@
               <a:buNone/>
             </a:pPr>
             <a:r>
-              <a:rPr lang="en" sz="1200" dirty="0">
+              <a:rPr lang="en" sz="1400" dirty="0">
                 <a:solidFill>
                   <a:srgbClr val="000000"/>
                 </a:solidFill>
@@ -6153,7 +6153,7 @@
               <a:buNone/>
             </a:pPr>
             <a:r>
-              <a:rPr lang="en" sz="1200" dirty="0">
+              <a:rPr lang="en" sz="1400" dirty="0">
                 <a:solidFill>
                   <a:srgbClr val="000000"/>
                 </a:solidFill>
@@ -6209,7 +6209,7 @@
               <a:buNone/>
             </a:pPr>
             <a:r>
-              <a:rPr lang="en" sz="1200" dirty="0">
+              <a:rPr lang="en" sz="1400" dirty="0">
                 <a:solidFill>
                   <a:srgbClr val="000000"/>
                 </a:solidFill>
@@ -6235,7 +6235,7 @@
               <a:buNone/>
             </a:pPr>
             <a:r>
-              <a:rPr lang="en" sz="1200" dirty="0">
+              <a:rPr lang="en" sz="1400" dirty="0">
                 <a:solidFill>
                   <a:srgbClr val="000000"/>
                 </a:solidFill>
@@ -6261,7 +6261,7 @@
               <a:buNone/>
             </a:pPr>
             <a:r>
-              <a:rPr lang="en" sz="1200" dirty="0">
+              <a:rPr lang="en" sz="1400" dirty="0">
                 <a:solidFill>
                   <a:srgbClr val="000000"/>
                 </a:solidFill>
@@ -6982,6 +6982,9 @@
           <a:lstStyle/>
           <a:p>
             <a:pPr marL="514350" lvl="0" indent="-285750" rtl="0">
+              <a:lnSpc>
+                <a:spcPct val="100000"/>
+              </a:lnSpc>
               <a:spcBef>
                 <a:spcPts val="0"/>
               </a:spcBef>
@@ -7006,6 +7009,9 @@
           </a:p>
           <a:p>
             <a:pPr marL="514350" lvl="0" indent="-285750" rtl="0">
+              <a:lnSpc>
+                <a:spcPct val="100000"/>
+              </a:lnSpc>
               <a:spcBef>
                 <a:spcPts val="0"/>
               </a:spcBef>
@@ -7022,6 +7028,9 @@
           </a:p>
           <a:p>
             <a:pPr marL="514350" lvl="0" indent="-285750" rtl="0">
+              <a:lnSpc>
+                <a:spcPct val="100000"/>
+              </a:lnSpc>
               <a:spcBef>
                 <a:spcPts val="0"/>
               </a:spcBef>
@@ -7038,6 +7047,9 @@
           </a:p>
           <a:p>
             <a:pPr marL="514350" lvl="0" indent="-285750" rtl="0">
+              <a:lnSpc>
+                <a:spcPct val="100000"/>
+              </a:lnSpc>
               <a:spcBef>
                 <a:spcPts val="0"/>
               </a:spcBef>
@@ -7360,7 +7372,7 @@
               <a:buNone/>
             </a:pPr>
             <a:r>
-              <a:rPr lang="en"/>
+              <a:rPr lang="en" dirty="0"/>
               <a:t>As we saw earlier, PUT and POST requests expect data from the request body. How do we grab that data and interact with it? Like so:</a:t>
             </a:r>
           </a:p>
@@ -7372,7 +7384,7 @@
               <a:buNone/>
             </a:pPr>
             <a:r>
-              <a:rPr lang="en" sz="1200">
+              <a:rPr lang="en" sz="1200" dirty="0">
                 <a:solidFill>
                   <a:srgbClr val="000000"/>
                 </a:solidFill>
@@ -7384,7 +7396,7 @@
               <a:t>from flask import json, request		     </a:t>
             </a:r>
             <a:r>
-              <a:rPr lang="en" sz="1200">
+              <a:rPr lang="en" sz="1200" dirty="0">
                 <a:solidFill>
                   <a:srgbClr val="999999"/>
                 </a:solidFill>
@@ -7404,7 +7416,7 @@
               <a:buNone/>
             </a:pPr>
             <a:r>
-              <a:rPr lang="en" sz="1200">
+              <a:rPr lang="en" sz="1200" dirty="0">
                 <a:solidFill>
                   <a:srgbClr val="999999"/>
                 </a:solidFill>
@@ -7430,7 +7442,7 @@
               <a:buNone/>
             </a:pPr>
             <a:r>
-              <a:rPr lang="en" sz="1200">
+              <a:rPr lang="en" sz="1200" dirty="0">
                 <a:solidFill>
                   <a:srgbClr val="000000"/>
                 </a:solidFill>
@@ -7456,7 +7468,7 @@
               <a:buNone/>
             </a:pPr>
             <a:r>
-              <a:rPr lang="en" sz="1200">
+              <a:rPr lang="en" sz="1200" dirty="0">
                 <a:solidFill>
                   <a:srgbClr val="000000"/>
                 </a:solidFill>
@@ -7479,7 +7491,7 @@
               <a:buNone/>
             </a:pPr>
             <a:r>
-              <a:rPr lang="en" sz="1200">
+              <a:rPr lang="en" sz="1200" dirty="0">
                 <a:solidFill>
                   <a:srgbClr val="000000"/>
                 </a:solidFill>
@@ -7488,10 +7500,10 @@
                 <a:cs typeface="Consolas"/>
                 <a:sym typeface="Consolas"/>
               </a:rPr>
-              <a:t>data = request.form				</a:t>
-            </a:r>
-            <a:r>
-              <a:rPr lang="en" sz="1200">
+              <a:t>data = request.form			</a:t>
+            </a:r>
+            <a:r>
+              <a:rPr lang="en" sz="1200" dirty="0" smtClean="0">
                 <a:solidFill>
                   <a:srgbClr val="999999"/>
                 </a:solidFill>
@@ -7500,7 +7512,19 @@
                 <a:cs typeface="Consolas"/>
                 <a:sym typeface="Consolas"/>
               </a:rPr>
-              <a:t># grab the form data from the request</a:t>
+              <a:t># </a:t>
+            </a:r>
+            <a:r>
+              <a:rPr lang="en" sz="1200" dirty="0">
+                <a:solidFill>
+                  <a:srgbClr val="999999"/>
+                </a:solidFill>
+                <a:latin typeface="Consolas"/>
+                <a:ea typeface="Consolas"/>
+                <a:cs typeface="Consolas"/>
+                <a:sym typeface="Consolas"/>
+              </a:rPr>
+              <a:t>grab the form data from the request</a:t>
             </a:r>
           </a:p>
           <a:p>
@@ -7514,7 +7538,7 @@
               <a:buNone/>
             </a:pPr>
             <a:r>
-              <a:rPr lang="en" sz="1200">
+              <a:rPr lang="en" sz="1200" dirty="0">
                 <a:solidFill>
                   <a:srgbClr val="000000"/>
                 </a:solidFill>
@@ -7526,7 +7550,7 @@
               <a:t>name = data['name']</a:t>
             </a:r>
             <a:r>
-              <a:rPr lang="en" sz="1200">
+              <a:rPr lang="en" sz="1200" dirty="0">
                 <a:latin typeface="Consolas"/>
                 <a:ea typeface="Consolas"/>
                 <a:cs typeface="Consolas"/>
@@ -7535,7 +7559,7 @@
               <a:t> 				</a:t>
             </a:r>
             <a:r>
-              <a:rPr lang="en" sz="1200">
+              <a:rPr lang="en" sz="1200" dirty="0">
                 <a:solidFill>
                   <a:srgbClr val="999999"/>
                 </a:solidFill>
@@ -7558,7 +7582,7 @@
               <a:buNone/>
             </a:pPr>
             <a:r>
-              <a:rPr lang="en" sz="1200">
+              <a:rPr lang="en" sz="1200" dirty="0">
                 <a:solidFill>
                   <a:srgbClr val="000000"/>
                 </a:solidFill>
@@ -7570,7 +7594,7 @@
               <a:t>return json.loads('{"message": "Added cow ' + name + '!"}') </a:t>
             </a:r>
             <a:r>
-              <a:rPr lang="en" sz="1200">
+              <a:rPr lang="en" sz="1200" dirty="0">
                 <a:solidFill>
                   <a:srgbClr val="999999"/>
                 </a:solidFill>
@@ -7589,7 +7613,7 @@
               </a:spcBef>
               <a:buNone/>
             </a:pPr>
-            <a:endParaRPr/>
+            <a:endParaRPr dirty="0"/>
           </a:p>
         </p:txBody>
       </p:sp>

--- a/Curriculum/Week_4/Lectures/4.3_Flask_Part_2.pptx
+++ b/Curriculum/Week_4/Lectures/4.3_Flask_Part_2.pptx
@@ -7393,19 +7393,127 @@
                 <a:cs typeface="Consolas"/>
                 <a:sym typeface="Consolas"/>
               </a:rPr>
-              <a:t>from flask import json, request		     </a:t>
-            </a:r>
-            <a:r>
-              <a:rPr lang="en" sz="1200" dirty="0">
-                <a:solidFill>
-                  <a:srgbClr val="999999"/>
+              <a:t>from flask import </a:t>
+            </a:r>
+            <a:r>
+              <a:rPr lang="en" sz="1200" dirty="0" smtClean="0">
+                <a:solidFill>
+                  <a:srgbClr val="000000"/>
                 </a:solidFill>
                 <a:latin typeface="Consolas"/>
                 <a:ea typeface="Consolas"/>
                 <a:cs typeface="Consolas"/>
                 <a:sym typeface="Consolas"/>
               </a:rPr>
-              <a:t># import the json and request libraries</a:t>
+              <a:t>json</a:t>
+            </a:r>
+            <a:r>
+              <a:rPr lang="en-US" sz="1200" dirty="0" err="1" smtClean="0">
+                <a:solidFill>
+                  <a:srgbClr val="000000"/>
+                </a:solidFill>
+                <a:latin typeface="Consolas"/>
+                <a:ea typeface="Consolas"/>
+                <a:cs typeface="Consolas"/>
+                <a:sym typeface="Consolas"/>
+              </a:rPr>
+              <a:t>ify</a:t>
+            </a:r>
+            <a:r>
+              <a:rPr lang="en" sz="1200" dirty="0" smtClean="0">
+                <a:solidFill>
+                  <a:srgbClr val="000000"/>
+                </a:solidFill>
+                <a:latin typeface="Consolas"/>
+                <a:ea typeface="Consolas"/>
+                <a:cs typeface="Consolas"/>
+                <a:sym typeface="Consolas"/>
+              </a:rPr>
+              <a:t>, </a:t>
+            </a:r>
+            <a:r>
+              <a:rPr lang="en" sz="1200" dirty="0">
+                <a:solidFill>
+                  <a:srgbClr val="000000"/>
+                </a:solidFill>
+                <a:latin typeface="Consolas"/>
+                <a:ea typeface="Consolas"/>
+                <a:cs typeface="Consolas"/>
+                <a:sym typeface="Consolas"/>
+              </a:rPr>
+              <a:t>request		</a:t>
+            </a:r>
+            <a:r>
+              <a:rPr lang="en" sz="1200" dirty="0" smtClean="0">
+                <a:solidFill>
+                  <a:srgbClr val="999999"/>
+                </a:solidFill>
+                <a:latin typeface="Consolas"/>
+                <a:ea typeface="Consolas"/>
+                <a:cs typeface="Consolas"/>
+                <a:sym typeface="Consolas"/>
+              </a:rPr>
+              <a:t># </a:t>
+            </a:r>
+            <a:r>
+              <a:rPr lang="en" sz="1200" dirty="0">
+                <a:solidFill>
+                  <a:srgbClr val="999999"/>
+                </a:solidFill>
+                <a:latin typeface="Consolas"/>
+                <a:ea typeface="Consolas"/>
+                <a:cs typeface="Consolas"/>
+                <a:sym typeface="Consolas"/>
+              </a:rPr>
+              <a:t>import the </a:t>
+            </a:r>
+            <a:r>
+              <a:rPr lang="en" sz="1200" dirty="0" smtClean="0">
+                <a:solidFill>
+                  <a:srgbClr val="999999"/>
+                </a:solidFill>
+                <a:latin typeface="Consolas"/>
+                <a:ea typeface="Consolas"/>
+                <a:cs typeface="Consolas"/>
+                <a:sym typeface="Consolas"/>
+              </a:rPr>
+              <a:t>json</a:t>
+            </a:r>
+            <a:r>
+              <a:rPr lang="en-US" sz="1200" dirty="0" err="1" smtClean="0">
+                <a:solidFill>
+                  <a:srgbClr val="999999"/>
+                </a:solidFill>
+                <a:latin typeface="Consolas"/>
+                <a:ea typeface="Consolas"/>
+                <a:cs typeface="Consolas"/>
+                <a:sym typeface="Consolas"/>
+              </a:rPr>
+              <a:t>ify</a:t>
+            </a:r>
+            <a:r>
+              <a:rPr lang="en" sz="1200" dirty="0" smtClean="0">
+                <a:solidFill>
+                  <a:srgbClr val="999999"/>
+                </a:solidFill>
+                <a:latin typeface="Consolas"/>
+                <a:ea typeface="Consolas"/>
+                <a:cs typeface="Consolas"/>
+                <a:sym typeface="Consolas"/>
+              </a:rPr>
+              <a:t> </a:t>
+            </a:r>
+            <a:r>
+              <a:rPr lang="en" sz="1200" dirty="0">
+                <a:solidFill>
+                  <a:srgbClr val="999999"/>
+                </a:solidFill>
+                <a:latin typeface="Consolas"/>
+                <a:ea typeface="Consolas"/>
+                <a:cs typeface="Consolas"/>
+                <a:sym typeface="Consolas"/>
+              </a:rPr>
+              <a:t>and request libraries</a:t>
             </a:r>
           </a:p>
           <a:p>
@@ -7556,10 +7664,10 @@
                 <a:cs typeface="Consolas"/>
                 <a:sym typeface="Consolas"/>
               </a:rPr>
-              <a:t> 				</a:t>
-            </a:r>
-            <a:r>
-              <a:rPr lang="en" sz="1200" dirty="0">
+              <a:t> 			</a:t>
+            </a:r>
+            <a:r>
+              <a:rPr lang="en" sz="1200" dirty="0" smtClean="0">
                 <a:solidFill>
                   <a:srgbClr val="999999"/>
                 </a:solidFill>
@@ -7568,43 +7676,216 @@
                 <a:cs typeface="Consolas"/>
                 <a:sym typeface="Consolas"/>
               </a:rPr>
-              <a:t># the form data is a dictionary</a:t>
-            </a:r>
-          </a:p>
-          <a:p>
-            <a:pPr marL="457200" lvl="0" indent="0" rtl="0">
-              <a:spcBef>
-                <a:spcPts val="0"/>
-              </a:spcBef>
-              <a:spcAft>
-                <a:spcPts val="0"/>
-              </a:spcAft>
-              <a:buNone/>
-            </a:pPr>
+              <a:t># </a:t>
+            </a:r>
             <a:r>
               <a:rPr lang="en" sz="1200" dirty="0">
                 <a:solidFill>
-                  <a:srgbClr val="000000"/>
+                  <a:srgbClr val="999999"/>
                 </a:solidFill>
                 <a:latin typeface="Consolas"/>
                 <a:ea typeface="Consolas"/>
                 <a:cs typeface="Consolas"/>
                 <a:sym typeface="Consolas"/>
               </a:rPr>
-              <a:t>return json.loads('{"message": "Added cow ' + name + '!"}') </a:t>
-            </a:r>
+              <a:t>the form data is a dictionary</a:t>
+            </a:r>
+          </a:p>
+          <a:p>
+            <a:pPr marL="457200" lvl="0">
+              <a:spcAft>
+                <a:spcPts val="0"/>
+              </a:spcAft>
+            </a:pPr>
             <a:r>
               <a:rPr lang="en" sz="1200" dirty="0">
                 <a:solidFill>
-                  <a:srgbClr val="999999"/>
+                  <a:srgbClr val="000000"/>
                 </a:solidFill>
                 <a:latin typeface="Consolas"/>
                 <a:ea typeface="Consolas"/>
                 <a:cs typeface="Consolas"/>
                 <a:sym typeface="Consolas"/>
               </a:rPr>
-              <a:t># convert string to json</a:t>
-            </a:r>
+              <a:t>return </a:t>
+            </a:r>
+            <a:r>
+              <a:rPr lang="en" sz="1200" dirty="0" smtClean="0">
+                <a:solidFill>
+                  <a:srgbClr val="000000"/>
+                </a:solidFill>
+                <a:latin typeface="Consolas"/>
+                <a:ea typeface="Consolas"/>
+                <a:cs typeface="Consolas"/>
+                <a:sym typeface="Consolas"/>
+              </a:rPr>
+              <a:t>json</a:t>
+            </a:r>
+            <a:r>
+              <a:rPr lang="en-US" sz="1200" dirty="0" err="1" smtClean="0">
+                <a:solidFill>
+                  <a:srgbClr val="000000"/>
+                </a:solidFill>
+                <a:latin typeface="Consolas"/>
+                <a:ea typeface="Consolas"/>
+                <a:cs typeface="Consolas"/>
+                <a:sym typeface="Consolas"/>
+              </a:rPr>
+              <a:t>ify</a:t>
+            </a:r>
+            <a:r>
+              <a:rPr lang="en" sz="1200" dirty="0" smtClean="0">
+                <a:solidFill>
+                  <a:srgbClr val="000000"/>
+                </a:solidFill>
+                <a:latin typeface="Consolas"/>
+                <a:ea typeface="Consolas"/>
+                <a:cs typeface="Consolas"/>
+                <a:sym typeface="Consolas"/>
+              </a:rPr>
+              <a:t>({"</a:t>
+            </a:r>
+            <a:r>
+              <a:rPr lang="en" sz="1200" dirty="0">
+                <a:solidFill>
+                  <a:srgbClr val="000000"/>
+                </a:solidFill>
+                <a:latin typeface="Consolas"/>
+                <a:ea typeface="Consolas"/>
+                <a:cs typeface="Consolas"/>
+                <a:sym typeface="Consolas"/>
+              </a:rPr>
+              <a:t>message": "Added cow </a:t>
+            </a:r>
+            <a:r>
+              <a:rPr lang="en" sz="1200" dirty="0">
+                <a:solidFill>
+                  <a:srgbClr val="000000"/>
+                </a:solidFill>
+                <a:latin typeface="Consolas"/>
+                <a:ea typeface="Consolas"/>
+                <a:cs typeface="Consolas"/>
+                <a:sym typeface="Consolas"/>
+              </a:rPr>
+              <a:t>" </a:t>
+            </a:r>
+            <a:r>
+              <a:rPr lang="en" sz="1200" dirty="0">
+                <a:solidFill>
+                  <a:srgbClr val="000000"/>
+                </a:solidFill>
+                <a:latin typeface="Consolas"/>
+                <a:ea typeface="Consolas"/>
+                <a:cs typeface="Consolas"/>
+                <a:sym typeface="Consolas"/>
+              </a:rPr>
+              <a:t>+ name </a:t>
+            </a:r>
+            <a:r>
+              <a:rPr lang="en" sz="1200" dirty="0" smtClean="0">
+                <a:solidFill>
+                  <a:srgbClr val="000000"/>
+                </a:solidFill>
+                <a:latin typeface="Consolas"/>
+                <a:ea typeface="Consolas"/>
+                <a:cs typeface="Consolas"/>
+                <a:sym typeface="Consolas"/>
+              </a:rPr>
+              <a:t>+</a:t>
+            </a:r>
+            <a:r>
+              <a:rPr lang="en-US" sz="1200" dirty="0" smtClean="0">
+                <a:solidFill>
+                  <a:srgbClr val="000000"/>
+                </a:solidFill>
+                <a:latin typeface="Consolas"/>
+                <a:ea typeface="Consolas"/>
+                <a:cs typeface="Consolas"/>
+                <a:sym typeface="Consolas"/>
+              </a:rPr>
+              <a:t> </a:t>
+            </a:r>
+            <a:r>
+              <a:rPr lang="en" sz="1200" dirty="0" smtClean="0">
+                <a:solidFill>
+                  <a:srgbClr val="000000"/>
+                </a:solidFill>
+                <a:latin typeface="Consolas"/>
+                <a:ea typeface="Consolas"/>
+                <a:cs typeface="Consolas"/>
+                <a:sym typeface="Consolas"/>
+              </a:rPr>
+              <a:t>"!"})</a:t>
+            </a:r>
+            <a:r>
+              <a:rPr lang="en-US" sz="1200" dirty="0" smtClean="0">
+                <a:solidFill>
+                  <a:srgbClr val="000000"/>
+                </a:solidFill>
+                <a:latin typeface="Consolas"/>
+                <a:ea typeface="Consolas"/>
+                <a:cs typeface="Consolas"/>
+                <a:sym typeface="Consolas"/>
+              </a:rPr>
+              <a:t>, 200</a:t>
+            </a:r>
+            <a:r>
+              <a:rPr lang="en" sz="1200" dirty="0" smtClean="0">
+                <a:solidFill>
+                  <a:srgbClr val="000000"/>
+                </a:solidFill>
+                <a:latin typeface="Consolas"/>
+                <a:ea typeface="Consolas"/>
+                <a:cs typeface="Consolas"/>
+                <a:sym typeface="Consolas"/>
+              </a:rPr>
+              <a:t> </a:t>
+            </a:r>
+            <a:r>
+              <a:rPr lang="en" sz="1200" dirty="0">
+                <a:solidFill>
+                  <a:srgbClr val="999999"/>
+                </a:solidFill>
+                <a:latin typeface="Consolas"/>
+                <a:ea typeface="Consolas"/>
+                <a:cs typeface="Consolas"/>
+                <a:sym typeface="Consolas"/>
+              </a:rPr>
+              <a:t># </a:t>
+            </a:r>
+            <a:r>
+              <a:rPr lang="en-US" sz="1200" dirty="0" smtClean="0">
+                <a:solidFill>
+                  <a:srgbClr val="999999"/>
+                </a:solidFill>
+                <a:latin typeface="Consolas"/>
+                <a:ea typeface="Consolas"/>
+                <a:cs typeface="Consolas"/>
+                <a:sym typeface="Consolas"/>
+              </a:rPr>
+              <a:t>return a Flask </a:t>
+            </a:r>
+            <a:r>
+              <a:rPr lang="en-US" sz="1200" dirty="0" smtClean="0">
+                <a:solidFill>
+                  <a:srgbClr val="999999"/>
+                </a:solidFill>
+                <a:latin typeface="Consolas"/>
+                <a:ea typeface="Consolas"/>
+                <a:cs typeface="Consolas"/>
+                <a:sym typeface="Consolas"/>
+              </a:rPr>
+              <a:t>Response object</a:t>
+            </a:r>
+            <a:endParaRPr lang="en" sz="1200" dirty="0">
+              <a:solidFill>
+                <a:srgbClr val="999999"/>
+              </a:solidFill>
+              <a:latin typeface="Consolas"/>
+              <a:ea typeface="Consolas"/>
+              <a:cs typeface="Consolas"/>
+              <a:sym typeface="Consolas"/>
+            </a:endParaRPr>
           </a:p>
           <a:p>
             <a:pPr lvl="0">
